--- a/slides/5_rag-chatbot/RAG_cours5.pptx
+++ b/slides/5_rag-chatbot/RAG_cours5.pptx
@@ -247,7 +247,7 @@
           <a:p>
             <a:fld id="{68BCD7E6-6072-4F04-BEBB-FEC4B2947D02}" type="datetimeFigureOut">
               <a:rPr lang="fr-FR" smtClean="0"/>
-              <a:t>12/02/2025</a:t>
+              <a:t>08/03/2025</a:t>
             </a:fld>
             <a:endParaRPr lang="fr-FR"/>
           </a:p>
@@ -7592,7 +7592,7 @@
           <a:p>
             <a:fld id="{726E709A-029D-4629-A40F-0DB24EB4D2C7}" type="datetimeFigureOut">
               <a:rPr lang="fr-FR" smtClean="0"/>
-              <a:t>12/02/2025</a:t>
+              <a:t>08/03/2025</a:t>
             </a:fld>
             <a:endParaRPr lang="fr-FR"/>
           </a:p>
@@ -12046,13 +12046,7 @@
               <a:rPr lang="fr-FR" dirty="0" smtClean="0">
                 <a:latin typeface="Franklin Gothic Book"/>
               </a:rPr>
-              <a:t>??</a:t>
-            </a:r>
-            <a:r>
-              <a:rPr lang="fr-FR" dirty="0" smtClean="0">
-                <a:latin typeface="Franklin Gothic Book"/>
-              </a:rPr>
-              <a:t>/03/2025</a:t>
+              <a:t>??/03/2025</a:t>
             </a:r>
             <a:endParaRPr lang="fr-FR" dirty="0">
               <a:latin typeface="Franklin Gothic Book"/>
@@ -12075,21 +12069,6 @@
           <a:bodyPr/>
           <a:lstStyle/>
           <a:p>
-            <a:r>
-              <a:rPr lang="fr-FR" dirty="0" smtClean="0"/>
-              <a:t>NOM Prénom 1</a:t>
-            </a:r>
-            <a:endParaRPr lang="fr-FR" dirty="0"/>
-          </a:p>
-          <a:p>
-            <a:r>
-              <a:rPr lang="fr-FR" dirty="0"/>
-              <a:t>NOM Prénom </a:t>
-            </a:r>
-            <a:r>
-              <a:rPr lang="fr-FR" dirty="0" smtClean="0"/>
-              <a:t>2</a:t>
-            </a:r>
             <a:endParaRPr lang="fr-FR" dirty="0"/>
           </a:p>
         </p:txBody>
@@ -12146,11 +12125,7 @@
           <a:p>
             <a:r>
               <a:rPr lang="fr-FR" dirty="0" smtClean="0"/>
-              <a:t>Et s</a:t>
-            </a:r>
-            <a:r>
-              <a:rPr lang="fr-FR" dirty="0" smtClean="0"/>
-              <a:t>ur GCP ?</a:t>
+              <a:t>Et sur GCP ?</a:t>
             </a:r>
             <a:endParaRPr lang="fr-FR" dirty="0"/>
           </a:p>
@@ -12602,11 +12577,7 @@
           <a:p>
             <a:r>
               <a:rPr lang="fr-FR" sz="2000" dirty="0" smtClean="0"/>
-              <a:t>Comment</a:t>
-            </a:r>
-            <a:r>
-              <a:rPr lang="fr-FR" sz="2000" dirty="0" smtClean="0"/>
-              <a:t> :</a:t>
+              <a:t>Comment :</a:t>
             </a:r>
             <a:endParaRPr lang="fr-FR" sz="2000" dirty="0"/>
           </a:p>
@@ -13527,7 +13498,6 @@
               <a:rPr lang="fr-FR" dirty="0"/>
               <a:t> pertinents </a:t>
             </a:r>
-            <a:endParaRPr lang="fr-FR" dirty="0"/>
           </a:p>
         </p:txBody>
       </p:sp>
@@ -15937,15 +15907,6 @@
 </file>
 
 <file path=customXml/item2.xml><?xml version="1.0" encoding="utf-8"?>
-<?mso-contentType ?>
-<FormTemplates xmlns="http://schemas.microsoft.com/sharepoint/v3/contenttype/forms">
-  <Display>DocumentLibraryForm</Display>
-  <Edit>DocumentLibraryForm</Edit>
-  <New>DocumentLibraryForm</New>
-</FormTemplates>
-</file>
-
-<file path=customXml/item3.xml><?xml version="1.0" encoding="utf-8"?>
 <p:properties xmlns:p="http://schemas.microsoft.com/office/2006/metadata/properties" xmlns:xsi="http://www.w3.org/2001/XMLSchema-instance" xmlns:pc="http://schemas.microsoft.com/office/infopath/2007/PartnerControls">
   <documentManagement>
     <lcf76f155ced4ddcb4097134ff3c332f xmlns="e2f9eb68-5d77-4602-9d99-0eaaa8925c8e">
@@ -15961,6 +15922,15 @@
     <TaxCatchAll xmlns="93ab2efc-1084-4875-9b06-0073a3e57f15" xsi:nil="true"/>
   </documentManagement>
 </p:properties>
+</file>
+
+<file path=customXml/item3.xml><?xml version="1.0" encoding="utf-8"?>
+<?mso-contentType ?>
+<FormTemplates xmlns="http://schemas.microsoft.com/sharepoint/v3/contenttype/forms">
+  <Display>DocumentLibraryForm</Display>
+  <Edit>DocumentLibraryForm</Edit>
+  <New>DocumentLibraryForm</New>
+</FormTemplates>
 </file>
 
 <file path=customXml/itemProps1.xml><?xml version="1.0" encoding="utf-8"?>
@@ -15983,14 +15953,6 @@
 </file>
 
 <file path=customXml/itemProps2.xml><?xml version="1.0" encoding="utf-8"?>
-<ds:datastoreItem xmlns:ds="http://schemas.openxmlformats.org/officeDocument/2006/customXml" ds:itemID="{9B287635-518A-478A-8857-367B37ABAF3D}">
-  <ds:schemaRefs>
-    <ds:schemaRef ds:uri="http://schemas.microsoft.com/sharepoint/v3/contenttype/forms"/>
-  </ds:schemaRefs>
-</ds:datastoreItem>
-</file>
-
-<file path=customXml/itemProps3.xml><?xml version="1.0" encoding="utf-8"?>
 <ds:datastoreItem xmlns:ds="http://schemas.openxmlformats.org/officeDocument/2006/customXml" ds:itemID="{FD46321F-FECF-4428-92E3-6B99C34662E3}">
   <ds:schemaRefs>
     <ds:schemaRef ds:uri="http://schemas.microsoft.com/office/2006/metadata/properties"/>
@@ -16005,4 +15967,12 @@
     <ds:schemaRef ds:uri="e2f9eb68-5d77-4602-9d99-0eaaa8925c8e"/>
   </ds:schemaRefs>
 </ds:datastoreItem>
+</file>
+
+<file path=customXml/itemProps3.xml><?xml version="1.0" encoding="utf-8"?>
+<ds:datastoreItem xmlns:ds="http://schemas.openxmlformats.org/officeDocument/2006/customXml" ds:itemID="{9B287635-518A-478A-8857-367B37ABAF3D}">
+  <ds:schemaRefs>
+    <ds:schemaRef ds:uri="http://schemas.microsoft.com/sharepoint/v3/contenttype/forms"/>
+  </ds:schemaRefs>
+</ds:datastoreItem>
 </file>